--- a/Day2/Terraform_2.pptx
+++ b/Day2/Terraform_2.pptx
@@ -6,12 +6,13 @@
   </p:sldMasterIdLst>
   <p:sldIdLst>
     <p:sldId id="256" r:id="rId2"/>
-    <p:sldId id="257" r:id="rId3"/>
-    <p:sldId id="258" r:id="rId4"/>
-    <p:sldId id="259" r:id="rId5"/>
-    <p:sldId id="260" r:id="rId6"/>
-    <p:sldId id="261" r:id="rId7"/>
-    <p:sldId id="262" r:id="rId8"/>
+    <p:sldId id="263" r:id="rId3"/>
+    <p:sldId id="257" r:id="rId4"/>
+    <p:sldId id="258" r:id="rId5"/>
+    <p:sldId id="259" r:id="rId6"/>
+    <p:sldId id="260" r:id="rId7"/>
+    <p:sldId id="261" r:id="rId8"/>
+    <p:sldId id="262" r:id="rId9"/>
   </p:sldIdLst>
   <p:sldSz cx="12192000" cy="6858000"/>
   <p:notesSz cx="6858000" cy="9144000"/>
@@ -110,6 +111,11 @@
       </a:defRPr>
     </a:lvl9pPr>
   </p:defaultTextStyle>
+  <p:extLst>
+    <p:ext uri="{EFAFB233-063F-42B5-8137-9DF3F51BA10A}">
+      <p15:sldGuideLst xmlns:p15="http://schemas.microsoft.com/office/powerpoint/2012/main"/>
+    </p:ext>
+  </p:extLst>
 </p:presentation>
 </file>
 
@@ -6610,7 +6616,7 @@
             <a:fld id="{B61BEF0D-F0BB-DE4B-95CE-6DB70DBA9567}" type="datetimeFigureOut">
               <a:rPr lang="en-US" dirty="0"/>
               <a:pPr/>
-              <a:t>6/26/20</a:t>
+              <a:t>6/30/20</a:t>
             </a:fld>
             <a:endParaRPr lang="en-US" dirty="0"/>
           </a:p>
@@ -6931,7 +6937,7 @@
             <a:fld id="{B61BEF0D-F0BB-DE4B-95CE-6DB70DBA9567}" type="datetimeFigureOut">
               <a:rPr lang="en-US" dirty="0"/>
               <a:pPr/>
-              <a:t>6/26/20</a:t>
+              <a:t>6/30/20</a:t>
             </a:fld>
             <a:endParaRPr lang="en-US" dirty="0"/>
           </a:p>
@@ -7176,7 +7182,7 @@
             <a:fld id="{B61BEF0D-F0BB-DE4B-95CE-6DB70DBA9567}" type="datetimeFigureOut">
               <a:rPr lang="en-US" dirty="0"/>
               <a:pPr/>
-              <a:t>6/26/20</a:t>
+              <a:t>6/30/20</a:t>
             </a:fld>
             <a:endParaRPr lang="en-US" dirty="0"/>
           </a:p>
@@ -7512,7 +7518,7 @@
             <a:fld id="{B61BEF0D-F0BB-DE4B-95CE-6DB70DBA9567}" type="datetimeFigureOut">
               <a:rPr lang="en-US" dirty="0"/>
               <a:pPr/>
-              <a:t>6/26/20</a:t>
+              <a:t>6/30/20</a:t>
             </a:fld>
             <a:endParaRPr lang="en-US" dirty="0"/>
           </a:p>
@@ -7856,7 +7862,7 @@
             <a:fld id="{B61BEF0D-F0BB-DE4B-95CE-6DB70DBA9567}" type="datetimeFigureOut">
               <a:rPr lang="en-US" dirty="0"/>
               <a:pPr/>
-              <a:t>6/26/20</a:t>
+              <a:t>6/30/20</a:t>
             </a:fld>
             <a:endParaRPr lang="en-US" dirty="0"/>
           </a:p>
@@ -8227,7 +8233,7 @@
             <a:fld id="{B61BEF0D-F0BB-DE4B-95CE-6DB70DBA9567}" type="datetimeFigureOut">
               <a:rPr lang="en-US" dirty="0"/>
               <a:pPr/>
-              <a:t>6/26/20</a:t>
+              <a:t>6/30/20</a:t>
             </a:fld>
             <a:endParaRPr lang="en-US" dirty="0"/>
           </a:p>
@@ -8694,7 +8700,7 @@
             <a:fld id="{B61BEF0D-F0BB-DE4B-95CE-6DB70DBA9567}" type="datetimeFigureOut">
               <a:rPr lang="en-US" dirty="0"/>
               <a:pPr/>
-              <a:t>6/26/20</a:t>
+              <a:t>6/30/20</a:t>
             </a:fld>
             <a:endParaRPr lang="en-US" dirty="0"/>
           </a:p>
@@ -8896,7 +8902,7 @@
             <a:fld id="{B61BEF0D-F0BB-DE4B-95CE-6DB70DBA9567}" type="datetimeFigureOut">
               <a:rPr lang="en-US" dirty="0"/>
               <a:pPr/>
-              <a:t>6/26/20</a:t>
+              <a:t>6/30/20</a:t>
             </a:fld>
             <a:endParaRPr lang="en-US" dirty="0"/>
           </a:p>
@@ -9104,7 +9110,7 @@
             <a:fld id="{B61BEF0D-F0BB-DE4B-95CE-6DB70DBA9567}" type="datetimeFigureOut">
               <a:rPr lang="en-US" dirty="0"/>
               <a:pPr/>
-              <a:t>6/26/20</a:t>
+              <a:t>6/30/20</a:t>
             </a:fld>
             <a:endParaRPr lang="en-US" dirty="0"/>
           </a:p>
@@ -9332,7 +9338,7 @@
           <a:p>
             <a:fld id="{52647F38-B617-4D2F-AE0A-013F0C4D2C57}" type="datetimeFigureOut">
               <a:rPr lang="en-US" dirty="0"/>
-              <a:t>6/26/20</a:t>
+              <a:t>6/30/20</a:t>
             </a:fld>
             <a:endParaRPr lang="en-US" dirty="0"/>
           </a:p>
@@ -9576,7 +9582,7 @@
             <a:fld id="{B61BEF0D-F0BB-DE4B-95CE-6DB70DBA9567}" type="datetimeFigureOut">
               <a:rPr lang="en-US" dirty="0"/>
               <a:pPr/>
-              <a:t>6/26/20</a:t>
+              <a:t>6/30/20</a:t>
             </a:fld>
             <a:endParaRPr lang="en-US" dirty="0"/>
           </a:p>
@@ -9870,7 +9876,7 @@
           <a:p>
             <a:fld id="{05BFA754-D5C3-4E66-96A6-867B257F58DC}" type="datetimeFigureOut">
               <a:rPr lang="en-US" dirty="0"/>
-              <a:t>6/26/20</a:t>
+              <a:t>6/30/20</a:t>
             </a:fld>
             <a:endParaRPr lang="en-US" dirty="0"/>
           </a:p>
@@ -10260,7 +10266,7 @@
             <a:fld id="{B61BEF0D-F0BB-DE4B-95CE-6DB70DBA9567}" type="datetimeFigureOut">
               <a:rPr lang="en-US" dirty="0"/>
               <a:pPr/>
-              <a:t>6/26/20</a:t>
+              <a:t>6/30/20</a:t>
             </a:fld>
             <a:endParaRPr lang="en-US" dirty="0"/>
           </a:p>
@@ -10406,7 +10412,7 @@
             <a:fld id="{B61BEF0D-F0BB-DE4B-95CE-6DB70DBA9567}" type="datetimeFigureOut">
               <a:rPr lang="en-US" dirty="0"/>
               <a:pPr/>
-              <a:t>6/26/20</a:t>
+              <a:t>6/30/20</a:t>
             </a:fld>
             <a:endParaRPr lang="en-US" dirty="0"/>
           </a:p>
@@ -10529,7 +10535,7 @@
             <a:fld id="{B61BEF0D-F0BB-DE4B-95CE-6DB70DBA9567}" type="datetimeFigureOut">
               <a:rPr lang="en-US" dirty="0"/>
               <a:pPr/>
-              <a:t>6/26/20</a:t>
+              <a:t>6/30/20</a:t>
             </a:fld>
             <a:endParaRPr lang="en-US" dirty="0"/>
           </a:p>
@@ -10781,7 +10787,7 @@
             <a:fld id="{B61BEF0D-F0BB-DE4B-95CE-6DB70DBA9567}" type="datetimeFigureOut">
               <a:rPr lang="en-US" dirty="0"/>
               <a:pPr/>
-              <a:t>6/26/20</a:t>
+              <a:t>6/30/20</a:t>
             </a:fld>
             <a:endParaRPr lang="en-US" dirty="0"/>
           </a:p>
@@ -11093,7 +11099,7 @@
             <a:fld id="{B61BEF0D-F0BB-DE4B-95CE-6DB70DBA9567}" type="datetimeFigureOut">
               <a:rPr lang="en-US" dirty="0"/>
               <a:pPr/>
-              <a:t>6/26/20</a:t>
+              <a:t>6/30/20</a:t>
             </a:fld>
             <a:endParaRPr lang="en-US" dirty="0"/>
           </a:p>
@@ -11441,7 +11447,7 @@
             <a:fld id="{B61BEF0D-F0BB-DE4B-95CE-6DB70DBA9567}" type="datetimeFigureOut">
               <a:rPr lang="en-US" dirty="0"/>
               <a:pPr/>
-              <a:t>6/26/20</a:t>
+              <a:t>6/30/20</a:t>
             </a:fld>
             <a:endParaRPr lang="en-US" dirty="0"/>
           </a:p>
@@ -12038,6 +12044,395 @@
           <a:chExt cx="0" cy="0"/>
         </a:xfrm>
       </p:grpSpPr>
+      <p:pic>
+        <p:nvPicPr>
+          <p:cNvPr id="2049" name="Picture 1" descr="page3image60921120">
+            <a:extLst>
+              <a:ext uri="{FF2B5EF4-FFF2-40B4-BE49-F238E27FC236}">
+                <a16:creationId xmlns:a16="http://schemas.microsoft.com/office/drawing/2014/main" id="{F65F1120-C046-4A41-9769-30C0197D0451}"/>
+              </a:ext>
+            </a:extLst>
+          </p:cNvPr>
+          <p:cNvPicPr>
+            <a:picLocks noChangeAspect="1" noChangeArrowheads="1"/>
+          </p:cNvPicPr>
+          <p:nvPr/>
+        </p:nvPicPr>
+        <p:blipFill>
+          <a:blip r:embed="rId2">
+            <a:extLst>
+              <a:ext uri="{28A0092B-C50C-407E-A947-70E740481C1C}">
+                <a14:useLocalDpi xmlns:a14="http://schemas.microsoft.com/office/drawing/2010/main" val="0"/>
+              </a:ext>
+            </a:extLst>
+          </a:blip>
+          <a:stretch>
+            <a:fillRect/>
+          </a:stretch>
+        </p:blipFill>
+        <p:spPr bwMode="auto">
+          <a:xfrm>
+            <a:off x="6178031" y="1725631"/>
+            <a:ext cx="2560320" cy="2813613"/>
+          </a:xfrm>
+          <a:prstGeom prst="rect">
+            <a:avLst/>
+          </a:prstGeom>
+          <a:noFill/>
+          <a:extLst>
+            <a:ext uri="{909E8E84-426E-40DD-AFC4-6F175D3DCCD1}">
+              <a14:hiddenFill xmlns:a14="http://schemas.microsoft.com/office/drawing/2010/main">
+                <a:solidFill>
+                  <a:srgbClr val="FFFFFF"/>
+                </a:solidFill>
+              </a14:hiddenFill>
+            </a:ext>
+          </a:extLst>
+        </p:spPr>
+      </p:pic>
+      <p:pic>
+        <p:nvPicPr>
+          <p:cNvPr id="2050" name="Picture 2" descr="page3image60916336">
+            <a:extLst>
+              <a:ext uri="{FF2B5EF4-FFF2-40B4-BE49-F238E27FC236}">
+                <a16:creationId xmlns:a16="http://schemas.microsoft.com/office/drawing/2014/main" id="{70078FD6-1E75-0048-8039-B737420CF9E3}"/>
+              </a:ext>
+            </a:extLst>
+          </p:cNvPr>
+          <p:cNvPicPr>
+            <a:picLocks noChangeAspect="1" noChangeArrowheads="1"/>
+          </p:cNvPicPr>
+          <p:nvPr/>
+        </p:nvPicPr>
+        <p:blipFill>
+          <a:blip r:embed="rId3">
+            <a:extLst>
+              <a:ext uri="{28A0092B-C50C-407E-A947-70E740481C1C}">
+                <a14:useLocalDpi xmlns:a14="http://schemas.microsoft.com/office/drawing/2010/main" val="0"/>
+              </a:ext>
+            </a:extLst>
+          </a:blip>
+          <a:stretch>
+            <a:fillRect/>
+          </a:stretch>
+        </p:blipFill>
+        <p:spPr bwMode="auto">
+          <a:xfrm>
+            <a:off x="8956620" y="1725631"/>
+            <a:ext cx="2560320" cy="2528154"/>
+          </a:xfrm>
+          <a:prstGeom prst="rect">
+            <a:avLst/>
+          </a:prstGeom>
+          <a:noFill/>
+          <a:extLst>
+            <a:ext uri="{909E8E84-426E-40DD-AFC4-6F175D3DCCD1}">
+              <a14:hiddenFill xmlns:a14="http://schemas.microsoft.com/office/drawing/2010/main">
+                <a:solidFill>
+                  <a:srgbClr val="FFFFFF"/>
+                </a:solidFill>
+              </a14:hiddenFill>
+            </a:ext>
+          </a:extLst>
+        </p:spPr>
+      </p:pic>
+      <p:pic>
+        <p:nvPicPr>
+          <p:cNvPr id="2051" name="Picture 3" descr="page3image60917376">
+            <a:extLst>
+              <a:ext uri="{FF2B5EF4-FFF2-40B4-BE49-F238E27FC236}">
+                <a16:creationId xmlns:a16="http://schemas.microsoft.com/office/drawing/2014/main" id="{82760DA9-DAC3-144E-9464-CA5320F90B73}"/>
+              </a:ext>
+            </a:extLst>
+          </p:cNvPr>
+          <p:cNvPicPr>
+            <a:picLocks noChangeAspect="1" noChangeArrowheads="1"/>
+          </p:cNvPicPr>
+          <p:nvPr/>
+        </p:nvPicPr>
+        <p:blipFill>
+          <a:blip r:embed="rId4">
+            <a:extLst>
+              <a:ext uri="{28A0092B-C50C-407E-A947-70E740481C1C}">
+                <a14:useLocalDpi xmlns:a14="http://schemas.microsoft.com/office/drawing/2010/main" val="0"/>
+              </a:ext>
+            </a:extLst>
+          </a:blip>
+          <a:stretch>
+            <a:fillRect/>
+          </a:stretch>
+        </p:blipFill>
+        <p:spPr bwMode="auto">
+          <a:xfrm>
+            <a:off x="3455859" y="1904707"/>
+            <a:ext cx="2560320" cy="2455460"/>
+          </a:xfrm>
+          <a:prstGeom prst="rect">
+            <a:avLst/>
+          </a:prstGeom>
+          <a:noFill/>
+          <a:extLst>
+            <a:ext uri="{909E8E84-426E-40DD-AFC4-6F175D3DCCD1}">
+              <a14:hiddenFill xmlns:a14="http://schemas.microsoft.com/office/drawing/2010/main">
+                <a:solidFill>
+                  <a:srgbClr val="FFFFFF"/>
+                </a:solidFill>
+              </a14:hiddenFill>
+            </a:ext>
+          </a:extLst>
+        </p:spPr>
+      </p:pic>
+      <p:pic>
+        <p:nvPicPr>
+          <p:cNvPr id="2052" name="Picture 4" descr="page3image60922368">
+            <a:extLst>
+              <a:ext uri="{FF2B5EF4-FFF2-40B4-BE49-F238E27FC236}">
+                <a16:creationId xmlns:a16="http://schemas.microsoft.com/office/drawing/2014/main" id="{6BFD419B-2CCE-9948-82BD-9B83F4D94744}"/>
+              </a:ext>
+            </a:extLst>
+          </p:cNvPr>
+          <p:cNvPicPr>
+            <a:picLocks noChangeAspect="1" noChangeArrowheads="1"/>
+          </p:cNvPicPr>
+          <p:nvPr/>
+        </p:nvPicPr>
+        <p:blipFill>
+          <a:blip r:embed="rId5">
+            <a:extLst>
+              <a:ext uri="{28A0092B-C50C-407E-A947-70E740481C1C}">
+                <a14:useLocalDpi xmlns:a14="http://schemas.microsoft.com/office/drawing/2010/main" val="0"/>
+              </a:ext>
+            </a:extLst>
+          </a:blip>
+          <a:stretch>
+            <a:fillRect/>
+          </a:stretch>
+        </p:blipFill>
+        <p:spPr bwMode="auto">
+          <a:xfrm>
+            <a:off x="677270" y="1835323"/>
+            <a:ext cx="2560320" cy="2287946"/>
+          </a:xfrm>
+          <a:prstGeom prst="rect">
+            <a:avLst/>
+          </a:prstGeom>
+          <a:noFill/>
+          <a:extLst>
+            <a:ext uri="{909E8E84-426E-40DD-AFC4-6F175D3DCCD1}">
+              <a14:hiddenFill xmlns:a14="http://schemas.microsoft.com/office/drawing/2010/main">
+                <a:solidFill>
+                  <a:srgbClr val="FFFFFF"/>
+                </a:solidFill>
+              </a14:hiddenFill>
+            </a:ext>
+          </a:extLst>
+        </p:spPr>
+      </p:pic>
+      <p:sp>
+        <p:nvSpPr>
+          <p:cNvPr id="2" name="TextBox 1">
+            <a:extLst>
+              <a:ext uri="{FF2B5EF4-FFF2-40B4-BE49-F238E27FC236}">
+                <a16:creationId xmlns:a16="http://schemas.microsoft.com/office/drawing/2014/main" id="{0E673717-0F39-3143-8C10-63D7D14E2DA2}"/>
+              </a:ext>
+            </a:extLst>
+          </p:cNvPr>
+          <p:cNvSpPr txBox="1"/>
+          <p:nvPr/>
+        </p:nvSpPr>
+        <p:spPr>
+          <a:xfrm>
+            <a:off x="1322173" y="4917989"/>
+            <a:ext cx="1371596" cy="646331"/>
+          </a:xfrm>
+          <a:prstGeom prst="rect">
+            <a:avLst/>
+          </a:prstGeom>
+          <a:noFill/>
+        </p:spPr>
+        <p:txBody>
+          <a:bodyPr wrap="square" rtlCol="0">
+            <a:spAutoFit/>
+          </a:bodyPr>
+          <a:lstStyle/>
+          <a:p>
+            <a:r>
+              <a:rPr lang="en-US" dirty="0"/>
+              <a:t>Provisioning resources</a:t>
+            </a:r>
+          </a:p>
+        </p:txBody>
+      </p:sp>
+      <p:sp>
+        <p:nvSpPr>
+          <p:cNvPr id="3" name="TextBox 2">
+            <a:extLst>
+              <a:ext uri="{FF2B5EF4-FFF2-40B4-BE49-F238E27FC236}">
+                <a16:creationId xmlns:a16="http://schemas.microsoft.com/office/drawing/2014/main" id="{7B983B01-E45A-9049-872C-3CE65CBF2916}"/>
+              </a:ext>
+            </a:extLst>
+          </p:cNvPr>
+          <p:cNvSpPr txBox="1"/>
+          <p:nvPr/>
+        </p:nvSpPr>
+        <p:spPr>
+          <a:xfrm>
+            <a:off x="3638346" y="4917988"/>
+            <a:ext cx="1776476" cy="369332"/>
+          </a:xfrm>
+          <a:prstGeom prst="rect">
+            <a:avLst/>
+          </a:prstGeom>
+          <a:noFill/>
+        </p:spPr>
+        <p:txBody>
+          <a:bodyPr wrap="square" rtlCol="0">
+            <a:spAutoFit/>
+          </a:bodyPr>
+          <a:lstStyle/>
+          <a:p>
+            <a:r>
+              <a:rPr lang="en-US" dirty="0"/>
+              <a:t>Planning Updates</a:t>
+            </a:r>
+          </a:p>
+        </p:txBody>
+      </p:sp>
+      <p:sp>
+        <p:nvSpPr>
+          <p:cNvPr id="4" name="TextBox 3">
+            <a:extLst>
+              <a:ext uri="{FF2B5EF4-FFF2-40B4-BE49-F238E27FC236}">
+                <a16:creationId xmlns:a16="http://schemas.microsoft.com/office/drawing/2014/main" id="{46FD229C-8CB4-B64B-9E58-FBC304BB0404}"/>
+              </a:ext>
+            </a:extLst>
+          </p:cNvPr>
+          <p:cNvSpPr txBox="1"/>
+          <p:nvPr/>
+        </p:nvSpPr>
+        <p:spPr>
+          <a:xfrm>
+            <a:off x="6396301" y="5084059"/>
+            <a:ext cx="2350323" cy="400110"/>
+          </a:xfrm>
+          <a:prstGeom prst="rect">
+            <a:avLst/>
+          </a:prstGeom>
+          <a:noFill/>
+        </p:spPr>
+        <p:txBody>
+          <a:bodyPr wrap="none" rtlCol="0">
+            <a:spAutoFit/>
+          </a:bodyPr>
+          <a:lstStyle/>
+          <a:p>
+            <a:r>
+              <a:rPr lang="en-US" sz="2000" dirty="0"/>
+              <a:t>Using Source Control</a:t>
+            </a:r>
+          </a:p>
+        </p:txBody>
+      </p:sp>
+      <p:sp>
+        <p:nvSpPr>
+          <p:cNvPr id="5" name="TextBox 4">
+            <a:extLst>
+              <a:ext uri="{FF2B5EF4-FFF2-40B4-BE49-F238E27FC236}">
+                <a16:creationId xmlns:a16="http://schemas.microsoft.com/office/drawing/2014/main" id="{7FCC8391-8C08-234A-8FEB-3078EBE7F19D}"/>
+              </a:ext>
+            </a:extLst>
+          </p:cNvPr>
+          <p:cNvSpPr txBox="1"/>
+          <p:nvPr/>
+        </p:nvSpPr>
+        <p:spPr>
+          <a:xfrm>
+            <a:off x="2607737" y="801302"/>
+            <a:ext cx="7779137" cy="584775"/>
+          </a:xfrm>
+          <a:prstGeom prst="rect">
+            <a:avLst/>
+          </a:prstGeom>
+          <a:noFill/>
+        </p:spPr>
+        <p:txBody>
+          <a:bodyPr wrap="square" rtlCol="0">
+            <a:spAutoFit/>
+          </a:bodyPr>
+          <a:lstStyle/>
+          <a:p>
+            <a:r>
+              <a:rPr lang="en-US" sz="3200" dirty="0"/>
+              <a:t>	Automating Infrastructure Deployment</a:t>
+            </a:r>
+          </a:p>
+        </p:txBody>
+      </p:sp>
+      <p:sp>
+        <p:nvSpPr>
+          <p:cNvPr id="6" name="TextBox 5">
+            <a:extLst>
+              <a:ext uri="{FF2B5EF4-FFF2-40B4-BE49-F238E27FC236}">
+                <a16:creationId xmlns:a16="http://schemas.microsoft.com/office/drawing/2014/main" id="{29CF2177-32B5-114B-86FE-D67B95AB3883}"/>
+              </a:ext>
+            </a:extLst>
+          </p:cNvPr>
+          <p:cNvSpPr txBox="1"/>
+          <p:nvPr/>
+        </p:nvSpPr>
+        <p:spPr>
+          <a:xfrm>
+            <a:off x="9174890" y="5056487"/>
+            <a:ext cx="2113993" cy="369332"/>
+          </a:xfrm>
+          <a:prstGeom prst="rect">
+            <a:avLst/>
+          </a:prstGeom>
+          <a:noFill/>
+        </p:spPr>
+        <p:txBody>
+          <a:bodyPr wrap="square" rtlCol="0">
+            <a:spAutoFit/>
+          </a:bodyPr>
+          <a:lstStyle/>
+          <a:p>
+            <a:r>
+              <a:rPr lang="en-US" dirty="0"/>
+              <a:t>Reusing templates</a:t>
+            </a:r>
+          </a:p>
+        </p:txBody>
+      </p:sp>
+    </p:spTree>
+    <p:extLst>
+      <p:ext uri="{BB962C8B-B14F-4D97-AF65-F5344CB8AC3E}">
+        <p14:creationId xmlns:p14="http://schemas.microsoft.com/office/powerpoint/2010/main" val="1509172682"/>
+      </p:ext>
+    </p:extLst>
+  </p:cSld>
+  <p:clrMapOvr>
+    <a:masterClrMapping/>
+  </p:clrMapOvr>
+</p:sld>
+</file>
+
+<file path=ppt/slides/slide3.xml><?xml version="1.0" encoding="utf-8"?>
+<p:sld xmlns:a="http://schemas.openxmlformats.org/drawingml/2006/main" xmlns:r="http://schemas.openxmlformats.org/officeDocument/2006/relationships" xmlns:p="http://schemas.openxmlformats.org/presentationml/2006/main">
+  <p:cSld>
+    <p:spTree>
+      <p:nvGrpSpPr>
+        <p:cNvPr id="1" name=""/>
+        <p:cNvGrpSpPr/>
+        <p:nvPr/>
+      </p:nvGrpSpPr>
+      <p:grpSpPr>
+        <a:xfrm>
+          <a:off x="0" y="0"/>
+          <a:ext cx="0" cy="0"/>
+          <a:chOff x="0" y="0"/>
+          <a:chExt cx="0" cy="0"/>
+        </a:xfrm>
+      </p:grpSpPr>
       <p:sp>
         <p:nvSpPr>
           <p:cNvPr id="2" name="Title 1">
@@ -12119,7 +12514,7 @@
 </p:sld>
 </file>
 
-<file path=ppt/slides/slide3.xml><?xml version="1.0" encoding="utf-8"?>
+<file path=ppt/slides/slide4.xml><?xml version="1.0" encoding="utf-8"?>
 <p:sld xmlns:a="http://schemas.openxmlformats.org/drawingml/2006/main" xmlns:r="http://schemas.openxmlformats.org/officeDocument/2006/relationships" xmlns:p="http://schemas.openxmlformats.org/presentationml/2006/main">
   <p:cSld>
     <p:bg>
@@ -12228,7 +12623,7 @@
 </p:sld>
 </file>
 
-<file path=ppt/slides/slide4.xml><?xml version="1.0" encoding="utf-8"?>
+<file path=ppt/slides/slide5.xml><?xml version="1.0" encoding="utf-8"?>
 <p:sld xmlns:a="http://schemas.openxmlformats.org/drawingml/2006/main" xmlns:r="http://schemas.openxmlformats.org/officeDocument/2006/relationships" xmlns:p="http://schemas.openxmlformats.org/presentationml/2006/main">
   <p:cSld>
     <p:bg>
@@ -12807,7 +13202,7 @@
 </p:sld>
 </file>
 
-<file path=ppt/slides/slide5.xml><?xml version="1.0" encoding="utf-8"?>
+<file path=ppt/slides/slide6.xml><?xml version="1.0" encoding="utf-8"?>
 <p:sld xmlns:a="http://schemas.openxmlformats.org/drawingml/2006/main" xmlns:r="http://schemas.openxmlformats.org/officeDocument/2006/relationships" xmlns:p="http://schemas.openxmlformats.org/presentationml/2006/main">
   <p:cSld>
     <p:bg>
@@ -13614,7 +14009,7 @@
 </p:sld>
 </file>
 
-<file path=ppt/slides/slide6.xml><?xml version="1.0" encoding="utf-8"?>
+<file path=ppt/slides/slide7.xml><?xml version="1.0" encoding="utf-8"?>
 <p:sld xmlns:a="http://schemas.openxmlformats.org/drawingml/2006/main" xmlns:r="http://schemas.openxmlformats.org/officeDocument/2006/relationships" xmlns:p="http://schemas.openxmlformats.org/presentationml/2006/main">
   <p:cSld>
     <p:bg>
@@ -13723,7 +14118,7 @@
 </p:sld>
 </file>
 
-<file path=ppt/slides/slide7.xml><?xml version="1.0" encoding="utf-8"?>
+<file path=ppt/slides/slide8.xml><?xml version="1.0" encoding="utf-8"?>
 <p:sld xmlns:a="http://schemas.openxmlformats.org/drawingml/2006/main" xmlns:r="http://schemas.openxmlformats.org/officeDocument/2006/relationships" xmlns:p="http://schemas.openxmlformats.org/presentationml/2006/main">
   <p:cSld>
     <p:bg>
